--- a/Simple User and Account Management System.pptx
+++ b/Simple User and Account Management System.pptx
@@ -9,6 +9,7 @@
     <p:sldId id="257" r:id="rId3"/>
     <p:sldId id="258" r:id="rId4"/>
     <p:sldId id="259" r:id="rId5"/>
+    <p:sldId id="260" r:id="rId6"/>
   </p:sldIdLst>
   <p:sldSz cx="12192000" cy="6858000"/>
   <p:notesSz cx="6858000" cy="9144000"/>
@@ -108,6 +109,66 @@
     </a:lvl9pPr>
   </p:defaultTextStyle>
 </p:presentation>
+</file>
+
+<file path=ppt/revisionInfo.xml><?xml version="1.0" encoding="utf-8"?>
+<p1510:revInfo xmlns:a="http://schemas.openxmlformats.org/drawingml/2006/main" xmlns:r="http://schemas.openxmlformats.org/officeDocument/2006/relationships" xmlns:p1510="http://schemas.microsoft.com/office/powerpoint/2015/10/main">
+  <p1510:revLst>
+    <p1510:client id="{1E7CCE43-3652-49B5-9580-C40F640E979E}" v="3" dt="2025-10-27T10:59:59.856"/>
+  </p1510:revLst>
+</p1510:revInfo>
+</file>
+
+<file path=ppt/changesInfos/changesInfo1.xml><?xml version="1.0" encoding="utf-8"?>
+<pc:chgInfo xmlns:a="http://schemas.openxmlformats.org/drawingml/2006/main" xmlns:r="http://schemas.openxmlformats.org/officeDocument/2006/relationships" xmlns:ac="http://schemas.microsoft.com/office/drawing/2013/main/command" xmlns:pc="http://schemas.microsoft.com/office/powerpoint/2013/main/command">
+  <pc:docChgLst>
+    <pc:chgData name="Seshagiri Sriram" userId="61bd17610e1e6ddf" providerId="LiveId" clId="{5580A2D5-12AF-4073-8E89-9131393AB0A8}"/>
+    <pc:docChg chg="undo custSel addSld modSld">
+      <pc:chgData name="Seshagiri Sriram" userId="61bd17610e1e6ddf" providerId="LiveId" clId="{5580A2D5-12AF-4073-8E89-9131393AB0A8}" dt="2025-10-27T11:02:23.422" v="423" actId="20577"/>
+      <pc:docMkLst>
+        <pc:docMk/>
+      </pc:docMkLst>
+      <pc:sldChg chg="modSp mod">
+        <pc:chgData name="Seshagiri Sriram" userId="61bd17610e1e6ddf" providerId="LiveId" clId="{5580A2D5-12AF-4073-8E89-9131393AB0A8}" dt="2025-10-27T11:01:16.759" v="246" actId="20577"/>
+        <pc:sldMkLst>
+          <pc:docMk/>
+          <pc:sldMk cId="3222418520" sldId="257"/>
+        </pc:sldMkLst>
+        <pc:spChg chg="mod">
+          <ac:chgData name="Seshagiri Sriram" userId="61bd17610e1e6ddf" providerId="LiveId" clId="{5580A2D5-12AF-4073-8E89-9131393AB0A8}" dt="2025-10-27T11:01:16.759" v="246" actId="20577"/>
+          <ac:spMkLst>
+            <pc:docMk/>
+            <pc:sldMk cId="3222418520" sldId="257"/>
+            <ac:spMk id="5" creationId="{4D3E8113-BBE6-3633-9E6D-0615A29F5644}"/>
+          </ac:spMkLst>
+        </pc:spChg>
+      </pc:sldChg>
+      <pc:sldChg chg="modSp new mod">
+        <pc:chgData name="Seshagiri Sriram" userId="61bd17610e1e6ddf" providerId="LiveId" clId="{5580A2D5-12AF-4073-8E89-9131393AB0A8}" dt="2025-10-27T11:02:23.422" v="423" actId="20577"/>
+        <pc:sldMkLst>
+          <pc:docMk/>
+          <pc:sldMk cId="430491702" sldId="260"/>
+        </pc:sldMkLst>
+        <pc:spChg chg="mod">
+          <ac:chgData name="Seshagiri Sriram" userId="61bd17610e1e6ddf" providerId="LiveId" clId="{5580A2D5-12AF-4073-8E89-9131393AB0A8}" dt="2025-10-27T11:00:07.463" v="114" actId="20577"/>
+          <ac:spMkLst>
+            <pc:docMk/>
+            <pc:sldMk cId="430491702" sldId="260"/>
+            <ac:spMk id="2" creationId="{ECECF15B-5B74-E5B5-E386-D4E4D5886740}"/>
+          </ac:spMkLst>
+        </pc:spChg>
+        <pc:spChg chg="mod">
+          <ac:chgData name="Seshagiri Sriram" userId="61bd17610e1e6ddf" providerId="LiveId" clId="{5580A2D5-12AF-4073-8E89-9131393AB0A8}" dt="2025-10-27T11:02:23.422" v="423" actId="20577"/>
+          <ac:spMkLst>
+            <pc:docMk/>
+            <pc:sldMk cId="430491702" sldId="260"/>
+            <ac:spMk id="3" creationId="{A3DC021F-2E81-674E-1168-7016FF5412C4}"/>
+          </ac:spMkLst>
+        </pc:spChg>
+      </pc:sldChg>
+    </pc:docChg>
+  </pc:docChgLst>
+</pc:chgInfo>
 </file>
 
 <file path=ppt/slideLayouts/slideLayout1.xml><?xml version="1.0" encoding="utf-8"?>
@@ -3568,15 +3629,7 @@
           <a:p>
             <a:r>
               <a:rPr lang="en-US" dirty="0"/>
-              <a:t>Perform </a:t>
-            </a:r>
-            <a:r>
-              <a:rPr lang="en-US" dirty="0" err="1"/>
-              <a:t>migraton</a:t>
-            </a:r>
-            <a:r>
-              <a:rPr lang="en-US" dirty="0"/>
-              <a:t> and DB structure</a:t>
+              <a:t>Perform migration and DB structure</a:t>
             </a:r>
           </a:p>
           <a:p>
@@ -3594,7 +3647,7 @@
           <a:p>
             <a:r>
               <a:rPr lang="en-US" dirty="0"/>
-              <a:t>Document </a:t>
+              <a:t>Document the same</a:t>
             </a:r>
           </a:p>
           <a:p>
@@ -3908,6 +3961,175 @@
     <p:extLst>
       <p:ext uri="{BB962C8B-B14F-4D97-AF65-F5344CB8AC3E}">
         <p14:creationId xmlns:p14="http://schemas.microsoft.com/office/powerpoint/2010/main" val="735412651"/>
+      </p:ext>
+    </p:extLst>
+  </p:cSld>
+  <p:clrMapOvr>
+    <a:masterClrMapping/>
+  </p:clrMapOvr>
+</p:sld>
+</file>
+
+<file path=ppt/slides/slide5.xml><?xml version="1.0" encoding="utf-8"?>
+<p:sld xmlns:a="http://schemas.openxmlformats.org/drawingml/2006/main" xmlns:r="http://schemas.openxmlformats.org/officeDocument/2006/relationships" xmlns:p="http://schemas.openxmlformats.org/presentationml/2006/main">
+  <p:cSld>
+    <p:spTree>
+      <p:nvGrpSpPr>
+        <p:cNvPr id="1" name=""/>
+        <p:cNvGrpSpPr/>
+        <p:nvPr/>
+      </p:nvGrpSpPr>
+      <p:grpSpPr>
+        <a:xfrm>
+          <a:off x="0" y="0"/>
+          <a:ext cx="0" cy="0"/>
+          <a:chOff x="0" y="0"/>
+          <a:chExt cx="0" cy="0"/>
+        </a:xfrm>
+      </p:grpSpPr>
+      <p:sp>
+        <p:nvSpPr>
+          <p:cNvPr id="2" name="Title 1">
+            <a:extLst>
+              <a:ext uri="{FF2B5EF4-FFF2-40B4-BE49-F238E27FC236}">
+                <a16:creationId xmlns:a16="http://schemas.microsoft.com/office/drawing/2014/main" id="{ECECF15B-5B74-E5B5-E386-D4E4D5886740}"/>
+              </a:ext>
+            </a:extLst>
+          </p:cNvPr>
+          <p:cNvSpPr>
+            <a:spLocks noGrp="1"/>
+          </p:cNvSpPr>
+          <p:nvPr>
+            <p:ph type="title"/>
+          </p:nvPr>
+        </p:nvSpPr>
+        <p:spPr/>
+        <p:txBody>
+          <a:bodyPr/>
+          <a:lstStyle/>
+          <a:p>
+            <a:r>
+              <a:rPr lang="en-US" dirty="0"/>
+              <a:t>WHERE TO KEEP IT</a:t>
+            </a:r>
+            <a:endParaRPr lang="en-IN" dirty="0"/>
+          </a:p>
+        </p:txBody>
+      </p:sp>
+      <p:sp>
+        <p:nvSpPr>
+          <p:cNvPr id="3" name="Content Placeholder 2">
+            <a:extLst>
+              <a:ext uri="{FF2B5EF4-FFF2-40B4-BE49-F238E27FC236}">
+                <a16:creationId xmlns:a16="http://schemas.microsoft.com/office/drawing/2014/main" id="{A3DC021F-2E81-674E-1168-7016FF5412C4}"/>
+              </a:ext>
+            </a:extLst>
+          </p:cNvPr>
+          <p:cNvSpPr>
+            <a:spLocks noGrp="1"/>
+          </p:cNvSpPr>
+          <p:nvPr>
+            <p:ph idx="1"/>
+          </p:nvPr>
+        </p:nvSpPr>
+        <p:spPr/>
+        <p:txBody>
+          <a:bodyPr/>
+          <a:lstStyle/>
+          <a:p>
+            <a:r>
+              <a:rPr lang="en-US" dirty="0">
+                <a:hlinkClick r:id="rId2"/>
+              </a:rPr>
+              <a:t>https://github.com/&lt;youruser&gt;/submission</a:t>
+            </a:r>
+            <a:r>
+              <a:rPr lang="en-US" dirty="0"/>
+              <a:t> </a:t>
+            </a:r>
+          </a:p>
+          <a:p>
+            <a:endParaRPr lang="en-IN" dirty="0"/>
+          </a:p>
+          <a:p>
+            <a:r>
+              <a:rPr lang="en-IN" dirty="0"/>
+              <a:t>Public</a:t>
+            </a:r>
+          </a:p>
+          <a:p>
+            <a:pPr marL="457200" lvl="1" indent="0">
+              <a:buNone/>
+            </a:pPr>
+            <a:r>
+              <a:rPr lang="en-IN" dirty="0"/>
+              <a:t>No exe/</a:t>
+            </a:r>
+            <a:r>
+              <a:rPr lang="en-IN" dirty="0" err="1"/>
+              <a:t>dll</a:t>
+            </a:r>
+            <a:r>
+              <a:rPr lang="en-IN" dirty="0"/>
+              <a:t>/Bin/OBJ folders</a:t>
+            </a:r>
+          </a:p>
+          <a:p>
+            <a:pPr marL="457200" lvl="1" indent="0">
+              <a:buNone/>
+            </a:pPr>
+            <a:r>
+              <a:rPr lang="en-IN" dirty="0"/>
+              <a:t>Migration folder for C# </a:t>
+            </a:r>
+          </a:p>
+          <a:p>
+            <a:pPr marL="457200" lvl="1" indent="0">
+              <a:buNone/>
+            </a:pPr>
+            <a:endParaRPr lang="en-IN" dirty="0"/>
+          </a:p>
+          <a:p>
+            <a:pPr marL="0" indent="0">
+              <a:buNone/>
+            </a:pPr>
+            <a:r>
+              <a:rPr lang="en-IN" dirty="0"/>
+              <a:t>Extra bonus marks for doing /banks</a:t>
+            </a:r>
+          </a:p>
+          <a:p>
+            <a:pPr marL="0" indent="0">
+              <a:buNone/>
+            </a:pPr>
+            <a:endParaRPr lang="en-IN" dirty="0"/>
+          </a:p>
+          <a:p>
+            <a:pPr marL="0" indent="0">
+              <a:buNone/>
+            </a:pPr>
+            <a:r>
+              <a:rPr lang="en-IN" dirty="0"/>
+              <a:t>Extra bonus marks for using RS256 with private and </a:t>
+            </a:r>
+            <a:r>
+              <a:rPr lang="en-IN"/>
+              <a:t>public keys. </a:t>
+            </a:r>
+            <a:endParaRPr lang="en-IN" dirty="0"/>
+          </a:p>
+          <a:p>
+            <a:pPr marL="457200" lvl="1" indent="0">
+              <a:buNone/>
+            </a:pPr>
+            <a:endParaRPr lang="en-IN" dirty="0"/>
+          </a:p>
+        </p:txBody>
+      </p:sp>
+    </p:spTree>
+    <p:extLst>
+      <p:ext uri="{BB962C8B-B14F-4D97-AF65-F5344CB8AC3E}">
+        <p14:creationId xmlns:p14="http://schemas.microsoft.com/office/powerpoint/2010/main" val="430491702"/>
       </p:ext>
     </p:extLst>
   </p:cSld>
